--- a/draft-tgraf-opsawg-ipfix-srv6-srh-03.pptx
+++ b/draft-tgraf-opsawg-ipfix-srv6-srh-03.pptx
@@ -930,7 +930,7 @@
           <a:p>
             <a:fld id="{E5E705E9-673F-4AC4-B29E-A7B26F3B8523}" type="datetimeFigureOut">
               <a:rPr lang="de-CH" smtClean="0"/>
-              <a:t>16.03.2022</a:t>
+              <a:t>21.03.2022</a:t>
             </a:fld>
             <a:endParaRPr lang="de-CH"/>
           </a:p>
@@ -1347,7 +1347,7 @@
           <a:p>
             <a:fld id="{9E9B238C-2335-4007-98C9-471C02CC43B6}" type="datetimeFigureOut">
               <a:rPr lang="de-CH" smtClean="0"/>
-              <a:t>16.03.2022</a:t>
+              <a:t>21.03.2022</a:t>
             </a:fld>
             <a:endParaRPr lang="de-CH"/>
           </a:p>
@@ -1547,7 +1547,7 @@
           <a:p>
             <a:fld id="{9E9B238C-2335-4007-98C9-471C02CC43B6}" type="datetimeFigureOut">
               <a:rPr lang="de-CH" smtClean="0"/>
-              <a:t>16.03.2022</a:t>
+              <a:t>21.03.2022</a:t>
             </a:fld>
             <a:endParaRPr lang="de-CH"/>
           </a:p>
@@ -1757,7 +1757,7 @@
           <a:p>
             <a:fld id="{9E9B238C-2335-4007-98C9-471C02CC43B6}" type="datetimeFigureOut">
               <a:rPr lang="de-CH" smtClean="0"/>
-              <a:t>16.03.2022</a:t>
+              <a:t>21.03.2022</a:t>
             </a:fld>
             <a:endParaRPr lang="de-CH"/>
           </a:p>
@@ -1957,7 +1957,7 @@
           <a:p>
             <a:fld id="{9E9B238C-2335-4007-98C9-471C02CC43B6}" type="datetimeFigureOut">
               <a:rPr lang="de-CH" smtClean="0"/>
-              <a:t>16.03.2022</a:t>
+              <a:t>21.03.2022</a:t>
             </a:fld>
             <a:endParaRPr lang="de-CH"/>
           </a:p>
@@ -2233,7 +2233,7 @@
           <a:p>
             <a:fld id="{9E9B238C-2335-4007-98C9-471C02CC43B6}" type="datetimeFigureOut">
               <a:rPr lang="de-CH" smtClean="0"/>
-              <a:t>16.03.2022</a:t>
+              <a:t>21.03.2022</a:t>
             </a:fld>
             <a:endParaRPr lang="de-CH"/>
           </a:p>
@@ -2501,7 +2501,7 @@
           <a:p>
             <a:fld id="{9E9B238C-2335-4007-98C9-471C02CC43B6}" type="datetimeFigureOut">
               <a:rPr lang="de-CH" smtClean="0"/>
-              <a:t>16.03.2022</a:t>
+              <a:t>21.03.2022</a:t>
             </a:fld>
             <a:endParaRPr lang="de-CH"/>
           </a:p>
@@ -2916,7 +2916,7 @@
           <a:p>
             <a:fld id="{9E9B238C-2335-4007-98C9-471C02CC43B6}" type="datetimeFigureOut">
               <a:rPr lang="de-CH" smtClean="0"/>
-              <a:t>16.03.2022</a:t>
+              <a:t>21.03.2022</a:t>
             </a:fld>
             <a:endParaRPr lang="de-CH"/>
           </a:p>
@@ -3058,7 +3058,7 @@
           <a:p>
             <a:fld id="{9E9B238C-2335-4007-98C9-471C02CC43B6}" type="datetimeFigureOut">
               <a:rPr lang="de-CH" smtClean="0"/>
-              <a:t>16.03.2022</a:t>
+              <a:t>21.03.2022</a:t>
             </a:fld>
             <a:endParaRPr lang="de-CH"/>
           </a:p>
@@ -3171,7 +3171,7 @@
           <a:p>
             <a:fld id="{9E9B238C-2335-4007-98C9-471C02CC43B6}" type="datetimeFigureOut">
               <a:rPr lang="de-CH" smtClean="0"/>
-              <a:t>16.03.2022</a:t>
+              <a:t>21.03.2022</a:t>
             </a:fld>
             <a:endParaRPr lang="de-CH"/>
           </a:p>
@@ -3484,7 +3484,7 @@
           <a:p>
             <a:fld id="{9E9B238C-2335-4007-98C9-471C02CC43B6}" type="datetimeFigureOut">
               <a:rPr lang="de-CH" smtClean="0"/>
-              <a:t>16.03.2022</a:t>
+              <a:t>21.03.2022</a:t>
             </a:fld>
             <a:endParaRPr lang="de-CH"/>
           </a:p>
@@ -3773,7 +3773,7 @@
           <a:p>
             <a:fld id="{9E9B238C-2335-4007-98C9-471C02CC43B6}" type="datetimeFigureOut">
               <a:rPr lang="de-CH" smtClean="0"/>
-              <a:t>16.03.2022</a:t>
+              <a:t>21.03.2022</a:t>
             </a:fld>
             <a:endParaRPr lang="de-CH"/>
           </a:p>
@@ -4016,7 +4016,7 @@
           <a:p>
             <a:fld id="{9E9B238C-2335-4007-98C9-471C02CC43B6}" type="datetimeFigureOut">
               <a:rPr lang="de-CH" smtClean="0"/>
-              <a:t>16.03.2022</a:t>
+              <a:t>21.03.2022</a:t>
             </a:fld>
             <a:endParaRPr lang="de-CH"/>
           </a:p>
@@ -5393,7 +5393,7 @@
             </a:r>
             <a:r>
               <a:rPr lang="en-US" sz="1700" dirty="0"/>
-              <a:t>). Unaware of any network operator migrated from MPLS to SRv6 yet.</a:t>
+              <a:t>). If you know any other network operator which migrated from MPLS to SRv6 yet.</a:t>
             </a:r>
           </a:p>
           <a:p>
